--- a/assets/tactile_image_files/0002-magmatic_environments/0002-magmatic_environments.pptx
+++ b/assets/tactile_image_files/0002-magmatic_environments/0002-magmatic_environments.pptx
@@ -198,7 +198,7 @@
           </a:lstStyle>
           <a:p>
             <a:fld id="{EFF0E936-C224-2944-981B-9246E8D76375}" type="datetimeFigureOut">
-              <a:t>7/23/20</a:t>
+              <a:t>6/17/21</a:t>
             </a:fld>
             <a:endParaRPr lang="en-US"/>
           </a:p>
@@ -603,7 +603,7 @@
           <a:p>
             <a:fld id="{E796F801-3BB8-A247-923B-F07F1B58D38A}" type="datetimeFigureOut">
               <a:rPr lang="en-US" smtClean="0"/>
-              <a:t>7/23/20</a:t>
+              <a:t>6/17/21</a:t>
             </a:fld>
             <a:endParaRPr lang="en-US"/>
           </a:p>
@@ -783,7 +783,7 @@
           <a:p>
             <a:fld id="{E796F801-3BB8-A247-923B-F07F1B58D38A}" type="datetimeFigureOut">
               <a:rPr lang="en-US" smtClean="0"/>
-              <a:t>7/23/20</a:t>
+              <a:t>6/17/21</a:t>
             </a:fld>
             <a:endParaRPr lang="en-US"/>
           </a:p>
@@ -953,7 +953,7 @@
           <a:p>
             <a:fld id="{E796F801-3BB8-A247-923B-F07F1B58D38A}" type="datetimeFigureOut">
               <a:rPr lang="en-US" smtClean="0"/>
-              <a:t>7/23/20</a:t>
+              <a:t>6/17/21</a:t>
             </a:fld>
             <a:endParaRPr lang="en-US"/>
           </a:p>
@@ -1197,7 +1197,7 @@
           <a:p>
             <a:fld id="{E796F801-3BB8-A247-923B-F07F1B58D38A}" type="datetimeFigureOut">
               <a:rPr lang="en-US" smtClean="0"/>
-              <a:t>7/23/20</a:t>
+              <a:t>6/17/21</a:t>
             </a:fld>
             <a:endParaRPr lang="en-US"/>
           </a:p>
@@ -1429,7 +1429,7 @@
           <a:p>
             <a:fld id="{E796F801-3BB8-A247-923B-F07F1B58D38A}" type="datetimeFigureOut">
               <a:rPr lang="en-US" smtClean="0"/>
-              <a:t>7/23/20</a:t>
+              <a:t>6/17/21</a:t>
             </a:fld>
             <a:endParaRPr lang="en-US"/>
           </a:p>
@@ -1796,7 +1796,7 @@
           <a:p>
             <a:fld id="{E796F801-3BB8-A247-923B-F07F1B58D38A}" type="datetimeFigureOut">
               <a:rPr lang="en-US" smtClean="0"/>
-              <a:t>7/23/20</a:t>
+              <a:t>6/17/21</a:t>
             </a:fld>
             <a:endParaRPr lang="en-US"/>
           </a:p>
@@ -1914,7 +1914,7 @@
           <a:p>
             <a:fld id="{E796F801-3BB8-A247-923B-F07F1B58D38A}" type="datetimeFigureOut">
               <a:rPr lang="en-US" smtClean="0"/>
-              <a:t>7/23/20</a:t>
+              <a:t>6/17/21</a:t>
             </a:fld>
             <a:endParaRPr lang="en-US"/>
           </a:p>
@@ -2009,7 +2009,7 @@
           <a:p>
             <a:fld id="{E796F801-3BB8-A247-923B-F07F1B58D38A}" type="datetimeFigureOut">
               <a:rPr lang="en-US" smtClean="0"/>
-              <a:t>7/23/20</a:t>
+              <a:t>6/17/21</a:t>
             </a:fld>
             <a:endParaRPr lang="en-US"/>
           </a:p>
@@ -2286,7 +2286,7 @@
           <a:p>
             <a:fld id="{E796F801-3BB8-A247-923B-F07F1B58D38A}" type="datetimeFigureOut">
               <a:rPr lang="en-US" smtClean="0"/>
-              <a:t>7/23/20</a:t>
+              <a:t>6/17/21</a:t>
             </a:fld>
             <a:endParaRPr lang="en-US"/>
           </a:p>
@@ -2543,7 +2543,7 @@
           <a:p>
             <a:fld id="{E796F801-3BB8-A247-923B-F07F1B58D38A}" type="datetimeFigureOut">
               <a:rPr lang="en-US" smtClean="0"/>
-              <a:t>7/23/20</a:t>
+              <a:t>6/17/21</a:t>
             </a:fld>
             <a:endParaRPr lang="en-US"/>
           </a:p>
@@ -2756,7 +2756,7 @@
           <a:p>
             <a:fld id="{E796F801-3BB8-A247-923B-F07F1B58D38A}" type="datetimeFigureOut">
               <a:rPr lang="en-US" smtClean="0"/>
-              <a:t>7/23/20</a:t>
+              <a:t>6/17/21</a:t>
             </a:fld>
             <a:endParaRPr lang="en-US"/>
           </a:p>
@@ -3940,7 +3940,7 @@
           <a:lstStyle/>
           <a:p>
             <a:r>
-              <a:rPr lang="en-US" sz="2400">
+              <a:rPr lang="en-US" sz="2400" dirty="0">
                 <a:latin typeface="Swell Braille" pitchFamily="49"/>
               </a:rPr>
               <a:t>⠧⠕⠇⠉⠁⠝⠕</a:t>
@@ -4048,7 +4048,7 @@
           <a:lstStyle/>
           <a:p>
             <a:r>
-              <a:rPr lang="en-US" sz="2400">
+              <a:rPr lang="en-US" sz="2400" dirty="0">
                 <a:latin typeface="Swell Braille" pitchFamily="49"/>
               </a:rPr>
               <a:t>⠙⠊⠅⠑</a:t>
@@ -4071,7 +4071,7 @@
         <p:spPr>
           <a:xfrm>
             <a:off x="353962" y="2244938"/>
-            <a:ext cx="2750747" cy="830997"/>
+            <a:ext cx="2838700" cy="830997"/>
           </a:xfrm>
           <a:prstGeom prst="rect">
             <a:avLst/>
@@ -4084,10 +4084,10 @@
           <a:lstStyle/>
           <a:p>
             <a:r>
-              <a:rPr lang="en-US" sz="2400">
+              <a:rPr lang="en-US" sz="2400" dirty="0">
                 <a:latin typeface="Swell Braille" pitchFamily="49"/>
               </a:rPr>
-              <a:t>⠑⠭⠞⠗⠥⠎⠊⠧⠑⠀⠕⠗⠀⠧⠕⠇⠉⠁⠝⠊⠉</a:t>
+              <a:t>⠑⠭⠞⠗⠥⠎⠊⠧⠑⠀⠕⠗⠧⠕⠇⠉⠁⠝⠊⠉</a:t>
             </a:r>
           </a:p>
         </p:txBody>
@@ -4120,7 +4120,7 @@
           <a:lstStyle/>
           <a:p>
             <a:r>
-              <a:rPr lang="en-US" sz="2400">
+              <a:rPr lang="en-US" sz="2400" dirty="0">
                 <a:latin typeface="Swell Braille" pitchFamily="49"/>
               </a:rPr>
               <a:t>⠔⠞⠗⠥⠎⠊⠧⠑⠀⠕⠗⠀⠏⠇⠥⠞⠕⠝⠊⠉</a:t>
@@ -4156,7 +4156,7 @@
           <a:lstStyle/>
           <a:p>
             <a:r>
-              <a:rPr lang="en-US" sz="2400">
+              <a:rPr lang="en-US" sz="2400" dirty="0">
                 <a:latin typeface="Swell Braille" pitchFamily="49"/>
               </a:rPr>
               <a:t>⠇⠁⠧⠁⠀⠋⠇⠪</a:t>
@@ -4179,7 +4179,7 @@
         <p:spPr>
           <a:xfrm>
             <a:off x="2362636" y="214118"/>
-            <a:ext cx="4641014" cy="461665"/>
+            <a:ext cx="4863832" cy="461665"/>
           </a:xfrm>
           <a:prstGeom prst="rect">
             <a:avLst/>
@@ -4192,10 +4192,10 @@
           <a:lstStyle/>
           <a:p>
             <a:r>
-              <a:rPr lang="en-US" sz="2400">
+              <a:rPr lang="en-US" sz="2400" dirty="0">
                 <a:latin typeface="Swell Braille" pitchFamily="49"/>
               </a:rPr>
-              <a:t>⠍⠁⠛⠍⠁⠞⠊⠉⠀⠑⠝⠧⠊⠗⠕⠝⠍⠢⠞⠎</a:t>
+              <a:t>,⠍⠁⠛⠍⠁⠞⠊⠉⠀,⠑⠝⠧⠊⠗⠕⠝;⠞⠎</a:t>
             </a:r>
           </a:p>
         </p:txBody>
